--- a/PresentationSlides.pptx
+++ b/PresentationSlides.pptx
@@ -112,6 +112,11 @@
       </a:defRPr>
     </a:lvl9pPr>
   </p:defaultTextStyle>
+  <p:extLst>
+    <p:ext uri="{EFAFB233-063F-42B5-8137-9DF3F51BA10A}">
+      <p15:sldGuideLst xmlns:p15="http://schemas.microsoft.com/office/powerpoint/2012/main"/>
+    </p:ext>
+  </p:extLst>
 </p:presentation>
 </file>
 
@@ -3375,7 +3380,9 @@
         </p:nvSpPr>
         <p:spPr/>
         <p:txBody>
-          <a:bodyPr/>
+          <a:bodyPr>
+            <a:normAutofit lnSpcReduction="10000"/>
+          </a:bodyPr>
           <a:lstStyle/>
           <a:p>
             <a:r>
@@ -3401,8 +3408,24 @@
               <a:t>Nocua</a:t>
             </a:r>
             <a:r>
-              <a:rPr lang="en-US"/>
+              <a:rPr lang="en-US" dirty="0"/>
               <a:t> 12997882</a:t>
+            </a:r>
+          </a:p>
+          <a:p>
+            <a:r>
+              <a:rPr lang="en-US" dirty="0"/>
+              <a:t>Xiang Xu 12834901</a:t>
+            </a:r>
+          </a:p>
+          <a:p>
+            <a:r>
+              <a:rPr lang="en-US" dirty="0" err="1"/>
+              <a:t>Gaodi</a:t>
+            </a:r>
+            <a:r>
+              <a:rPr lang="en-US" dirty="0"/>
+              <a:t> Liu 12652956</a:t>
             </a:r>
           </a:p>
           <a:p>
@@ -3785,7 +3808,13 @@
           <a:p>
             <a:r>
               <a:rPr lang="en-US" dirty="0"/>
-              <a:t>Unlike flappy bird our game </a:t>
+              <a:t>Unlike flappy bird our game uses different sprites</a:t>
+            </a:r>
+          </a:p>
+          <a:p>
+            <a:r>
+              <a:rPr lang="en-US" dirty="0"/>
+              <a:t>The player can customize their experience in the game as well as their avatar(sprite) </a:t>
             </a:r>
           </a:p>
         </p:txBody>
@@ -3869,7 +3898,22 @@
           <a:bodyPr/>
           <a:lstStyle/>
           <a:p>
-            <a:endParaRPr lang="en-US"/>
+            <a:r>
+              <a:rPr lang="en-US" dirty="0"/>
+              <a:t>This uses a Free Model</a:t>
+            </a:r>
+          </a:p>
+          <a:p>
+            <a:r>
+              <a:rPr lang="en-US" dirty="0"/>
+              <a:t>No cost for the game</a:t>
+            </a:r>
+          </a:p>
+          <a:p>
+            <a:r>
+              <a:rPr lang="en-US" dirty="0"/>
+              <a:t>No premiums in the game</a:t>
+            </a:r>
           </a:p>
         </p:txBody>
       </p:sp>
@@ -3966,6 +4010,20 @@
             </a:r>
           </a:p>
           <a:p>
+            <a:r>
+              <a:rPr lang="en-US" dirty="0"/>
+              <a:t>We were going to use </a:t>
+            </a:r>
+            <a:r>
+              <a:rPr lang="en-US" dirty="0" err="1"/>
+              <a:t>GameKit</a:t>
+            </a:r>
+            <a:r>
+              <a:rPr lang="en-US" dirty="0"/>
+              <a:t>, but …</a:t>
+            </a:r>
+          </a:p>
+          <a:p>
             <a:endParaRPr lang="en-US" dirty="0"/>
           </a:p>
         </p:txBody>
@@ -4046,10 +4104,82 @@
         </p:nvSpPr>
         <p:spPr/>
         <p:txBody>
-          <a:bodyPr/>
-          <a:lstStyle/>
-          <a:p>
-            <a:endParaRPr lang="en-US"/>
+          <a:bodyPr>
+            <a:normAutofit lnSpcReduction="10000"/>
+          </a:bodyPr>
+          <a:lstStyle/>
+          <a:p>
+            <a:r>
+              <a:rPr lang="en-US" dirty="0"/>
+              <a:t>We used </a:t>
+            </a:r>
+            <a:r>
+              <a:rPr lang="en-US" dirty="0" err="1"/>
+              <a:t>github</a:t>
+            </a:r>
+            <a:r>
+              <a:rPr lang="en-US" dirty="0"/>
+              <a:t> to share the work with each other</a:t>
+            </a:r>
+          </a:p>
+          <a:p>
+            <a:r>
+              <a:rPr lang="en-US" dirty="0"/>
+              <a:t>Created empty views and added basic navigation</a:t>
+            </a:r>
+          </a:p>
+          <a:p>
+            <a:r>
+              <a:rPr lang="en-US" dirty="0"/>
+              <a:t>Changed idea from Temple Run like to Flappy Bird like</a:t>
+            </a:r>
+          </a:p>
+          <a:p>
+            <a:r>
+              <a:rPr lang="en-US" dirty="0"/>
+              <a:t>Changed the layout of each scene so it is landscape</a:t>
+            </a:r>
+          </a:p>
+          <a:p>
+            <a:r>
+              <a:rPr lang="en-US" dirty="0"/>
+              <a:t>Got data to be passed between views</a:t>
+            </a:r>
+          </a:p>
+          <a:p>
+            <a:r>
+              <a:rPr lang="en-US" dirty="0"/>
+              <a:t>Each made prototypes of the game</a:t>
+            </a:r>
+          </a:p>
+          <a:p>
+            <a:r>
+              <a:rPr lang="en-US" dirty="0"/>
+              <a:t>Finalized game</a:t>
+            </a:r>
+          </a:p>
+          <a:p>
+            <a:r>
+              <a:rPr lang="en-US" dirty="0"/>
+              <a:t>Got </a:t>
+            </a:r>
+            <a:r>
+              <a:rPr lang="en-US" dirty="0" err="1"/>
+              <a:t>highscores</a:t>
+            </a:r>
+            <a:r>
+              <a:rPr lang="en-US" dirty="0"/>
+              <a:t> working</a:t>
+            </a:r>
+          </a:p>
+          <a:p>
+            <a:r>
+              <a:rPr lang="en-US" dirty="0"/>
+              <a:t>Got customizable aspects working</a:t>
+            </a:r>
+          </a:p>
+          <a:p>
+            <a:endParaRPr lang="en-US" dirty="0"/>
           </a:p>
         </p:txBody>
       </p:sp>

--- a/PresentationSlides.pptx
+++ b/PresentationSlides.pptx
@@ -6,14 +6,15 @@
   </p:sldMasterIdLst>
   <p:sldIdLst>
     <p:sldId id="256" r:id="rId2"/>
-    <p:sldId id="257" r:id="rId3"/>
+    <p:sldId id="265" r:id="rId3"/>
     <p:sldId id="258" r:id="rId4"/>
-    <p:sldId id="263" r:id="rId5"/>
+    <p:sldId id="257" r:id="rId5"/>
     <p:sldId id="264" r:id="rId6"/>
     <p:sldId id="259" r:id="rId7"/>
     <p:sldId id="260" r:id="rId8"/>
     <p:sldId id="261" r:id="rId9"/>
-    <p:sldId id="262" r:id="rId10"/>
+    <p:sldId id="266" r:id="rId10"/>
+    <p:sldId id="262" r:id="rId11"/>
   </p:sldIdLst>
   <p:sldSz cx="12192000" cy="6858000"/>
   <p:notesSz cx="6858000" cy="9144000"/>
@@ -267,7 +268,7 @@
           <a:p>
             <a:fld id="{4C1B0FA7-9F35-EB49-9879-4C19FFDD67B7}" type="datetimeFigureOut">
               <a:rPr lang="en-US" smtClean="0"/>
-              <a:t>5/28/18</a:t>
+              <a:t>6/1/18</a:t>
             </a:fld>
             <a:endParaRPr lang="en-US"/>
           </a:p>
@@ -465,7 +466,7 @@
           <a:p>
             <a:fld id="{4C1B0FA7-9F35-EB49-9879-4C19FFDD67B7}" type="datetimeFigureOut">
               <a:rPr lang="en-US" smtClean="0"/>
-              <a:t>5/28/18</a:t>
+              <a:t>6/1/18</a:t>
             </a:fld>
             <a:endParaRPr lang="en-US"/>
           </a:p>
@@ -673,7 +674,7 @@
           <a:p>
             <a:fld id="{4C1B0FA7-9F35-EB49-9879-4C19FFDD67B7}" type="datetimeFigureOut">
               <a:rPr lang="en-US" smtClean="0"/>
-              <a:t>5/28/18</a:t>
+              <a:t>6/1/18</a:t>
             </a:fld>
             <a:endParaRPr lang="en-US"/>
           </a:p>
@@ -871,7 +872,7 @@
           <a:p>
             <a:fld id="{4C1B0FA7-9F35-EB49-9879-4C19FFDD67B7}" type="datetimeFigureOut">
               <a:rPr lang="en-US" smtClean="0"/>
-              <a:t>5/28/18</a:t>
+              <a:t>6/1/18</a:t>
             </a:fld>
             <a:endParaRPr lang="en-US"/>
           </a:p>
@@ -1146,7 +1147,7 @@
           <a:p>
             <a:fld id="{4C1B0FA7-9F35-EB49-9879-4C19FFDD67B7}" type="datetimeFigureOut">
               <a:rPr lang="en-US" smtClean="0"/>
-              <a:t>5/28/18</a:t>
+              <a:t>6/1/18</a:t>
             </a:fld>
             <a:endParaRPr lang="en-US"/>
           </a:p>
@@ -1411,7 +1412,7 @@
           <a:p>
             <a:fld id="{4C1B0FA7-9F35-EB49-9879-4C19FFDD67B7}" type="datetimeFigureOut">
               <a:rPr lang="en-US" smtClean="0"/>
-              <a:t>5/28/18</a:t>
+              <a:t>6/1/18</a:t>
             </a:fld>
             <a:endParaRPr lang="en-US"/>
           </a:p>
@@ -1823,7 +1824,7 @@
           <a:p>
             <a:fld id="{4C1B0FA7-9F35-EB49-9879-4C19FFDD67B7}" type="datetimeFigureOut">
               <a:rPr lang="en-US" smtClean="0"/>
-              <a:t>5/28/18</a:t>
+              <a:t>6/1/18</a:t>
             </a:fld>
             <a:endParaRPr lang="en-US"/>
           </a:p>
@@ -1964,7 +1965,7 @@
           <a:p>
             <a:fld id="{4C1B0FA7-9F35-EB49-9879-4C19FFDD67B7}" type="datetimeFigureOut">
               <a:rPr lang="en-US" smtClean="0"/>
-              <a:t>5/28/18</a:t>
+              <a:t>6/1/18</a:t>
             </a:fld>
             <a:endParaRPr lang="en-US"/>
           </a:p>
@@ -2077,7 +2078,7 @@
           <a:p>
             <a:fld id="{4C1B0FA7-9F35-EB49-9879-4C19FFDD67B7}" type="datetimeFigureOut">
               <a:rPr lang="en-US" smtClean="0"/>
-              <a:t>5/28/18</a:t>
+              <a:t>6/1/18</a:t>
             </a:fld>
             <a:endParaRPr lang="en-US"/>
           </a:p>
@@ -2388,7 +2389,7 @@
           <a:p>
             <a:fld id="{4C1B0FA7-9F35-EB49-9879-4C19FFDD67B7}" type="datetimeFigureOut">
               <a:rPr lang="en-US" smtClean="0"/>
-              <a:t>5/28/18</a:t>
+              <a:t>6/1/18</a:t>
             </a:fld>
             <a:endParaRPr lang="en-US"/>
           </a:p>
@@ -2676,7 +2677,7 @@
           <a:p>
             <a:fld id="{4C1B0FA7-9F35-EB49-9879-4C19FFDD67B7}" type="datetimeFigureOut">
               <a:rPr lang="en-US" smtClean="0"/>
-              <a:t>5/28/18</a:t>
+              <a:t>6/1/18</a:t>
             </a:fld>
             <a:endParaRPr lang="en-US"/>
           </a:p>
@@ -2917,7 +2918,7 @@
           <a:p>
             <a:fld id="{4C1B0FA7-9F35-EB49-9879-4C19FFDD67B7}" type="datetimeFigureOut">
               <a:rPr lang="en-US" smtClean="0"/>
-              <a:t>5/28/18</a:t>
+              <a:t>6/1/18</a:t>
             </a:fld>
             <a:endParaRPr lang="en-US"/>
           </a:p>
@@ -3350,14 +3351,39 @@
             <p:ph type="ctrTitle"/>
           </p:nvPr>
         </p:nvSpPr>
-        <p:spPr/>
-        <p:txBody>
-          <a:bodyPr/>
-          <a:lstStyle/>
-          <a:p>
-            <a:r>
-              <a:rPr lang="en-US" dirty="0"/>
-              <a:t>?</a:t>
+        <p:spPr>
+          <a:xfrm>
+            <a:off x="1524000" y="-1765299"/>
+            <a:ext cx="9144000" cy="4049712"/>
+          </a:xfrm>
+        </p:spPr>
+        <p:txBody>
+          <a:bodyPr>
+            <a:normAutofit fontScale="90000"/>
+          </a:bodyPr>
+          <a:lstStyle/>
+          <a:p>
+            <a:br>
+              <a:rPr lang="en-US" sz="8000" dirty="0"/>
+            </a:br>
+            <a:br>
+              <a:rPr lang="en-US" sz="8000" dirty="0"/>
+            </a:br>
+            <a:br>
+              <a:rPr lang="en-US" sz="8000" dirty="0"/>
+            </a:br>
+            <a:br>
+              <a:rPr lang="en-US" sz="8000" dirty="0"/>
+            </a:br>
+            <a:br>
+              <a:rPr lang="en-US" sz="8000" dirty="0"/>
+            </a:br>
+            <a:br>
+              <a:rPr lang="en-US" sz="8000" dirty="0"/>
+            </a:br>
+            <a:r>
+              <a:rPr lang="en-US" sz="8000" dirty="0"/>
+              <a:t>GAME  CLUB</a:t>
             </a:r>
           </a:p>
         </p:txBody>
@@ -3421,7 +3447,7 @@
           <a:p>
             <a:r>
               <a:rPr lang="en-US" dirty="0" err="1"/>
-              <a:t>Gaodi</a:t>
+              <a:t>Gaoyi</a:t>
             </a:r>
             <a:r>
               <a:rPr lang="en-US" dirty="0"/>
@@ -3437,6 +3463,119 @@
     <p:extLst>
       <p:ext uri="{BB962C8B-B14F-4D97-AF65-F5344CB8AC3E}">
         <p14:creationId xmlns:p14="http://schemas.microsoft.com/office/powerpoint/2010/main" val="2482017536"/>
+      </p:ext>
+    </p:extLst>
+  </p:cSld>
+  <p:clrMapOvr>
+    <a:masterClrMapping/>
+  </p:clrMapOvr>
+</p:sld>
+</file>
+
+<file path=ppt/slides/slide10.xml><?xml version="1.0" encoding="utf-8"?>
+<p:sld xmlns:a="http://schemas.openxmlformats.org/drawingml/2006/main" xmlns:r="http://schemas.openxmlformats.org/officeDocument/2006/relationships" xmlns:p="http://schemas.openxmlformats.org/presentationml/2006/main">
+  <p:cSld>
+    <p:spTree>
+      <p:nvGrpSpPr>
+        <p:cNvPr id="1" name=""/>
+        <p:cNvGrpSpPr/>
+        <p:nvPr/>
+      </p:nvGrpSpPr>
+      <p:grpSpPr>
+        <a:xfrm>
+          <a:off x="0" y="0"/>
+          <a:ext cx="0" cy="0"/>
+          <a:chOff x="0" y="0"/>
+          <a:chExt cx="0" cy="0"/>
+        </a:xfrm>
+      </p:grpSpPr>
+      <p:sp>
+        <p:nvSpPr>
+          <p:cNvPr id="2" name="Title 1">
+            <a:extLst>
+              <a:ext uri="{FF2B5EF4-FFF2-40B4-BE49-F238E27FC236}">
+                <a16:creationId xmlns:a16="http://schemas.microsoft.com/office/drawing/2014/main" id="{05691E0B-319E-BD4B-89AA-EB5C07AFCB3A}"/>
+              </a:ext>
+            </a:extLst>
+          </p:cNvPr>
+          <p:cNvSpPr>
+            <a:spLocks noGrp="1"/>
+          </p:cNvSpPr>
+          <p:nvPr>
+            <p:ph type="title"/>
+          </p:nvPr>
+        </p:nvSpPr>
+        <p:spPr/>
+        <p:txBody>
+          <a:bodyPr/>
+          <a:lstStyle/>
+          <a:p>
+            <a:r>
+              <a:rPr lang="en-US" dirty="0"/>
+              <a:t>Questions</a:t>
+            </a:r>
+          </a:p>
+        </p:txBody>
+      </p:sp>
+      <p:pic>
+        <p:nvPicPr>
+          <p:cNvPr id="7" name="图片 6">
+            <a:extLst>
+              <a:ext uri="{FF2B5EF4-FFF2-40B4-BE49-F238E27FC236}">
+                <a16:creationId xmlns:a16="http://schemas.microsoft.com/office/drawing/2014/main" id="{A3313989-1C8C-0D44-B8F9-E71F0579DEFC}"/>
+              </a:ext>
+            </a:extLst>
+          </p:cNvPr>
+          <p:cNvPicPr>
+            <a:picLocks noChangeAspect="1"/>
+          </p:cNvPicPr>
+          <p:nvPr/>
+        </p:nvPicPr>
+        <p:blipFill>
+          <a:blip r:embed="rId2"/>
+          <a:stretch>
+            <a:fillRect/>
+          </a:stretch>
+        </p:blipFill>
+        <p:spPr>
+          <a:xfrm>
+            <a:off x="3137263" y="572294"/>
+            <a:ext cx="6858000" cy="6858000"/>
+          </a:xfrm>
+          <a:prstGeom prst="rect">
+            <a:avLst/>
+          </a:prstGeom>
+        </p:spPr>
+      </p:pic>
+      <p:sp>
+        <p:nvSpPr>
+          <p:cNvPr id="9" name="内容占位符 8">
+            <a:extLst>
+              <a:ext uri="{FF2B5EF4-FFF2-40B4-BE49-F238E27FC236}">
+                <a16:creationId xmlns:a16="http://schemas.microsoft.com/office/drawing/2014/main" id="{74FC9CD8-97A7-1945-93AB-F9D85ED2E74D}"/>
+              </a:ext>
+            </a:extLst>
+          </p:cNvPr>
+          <p:cNvSpPr>
+            <a:spLocks noGrp="1"/>
+          </p:cNvSpPr>
+          <p:nvPr>
+            <p:ph idx="1"/>
+          </p:nvPr>
+        </p:nvSpPr>
+        <p:spPr/>
+        <p:txBody>
+          <a:bodyPr/>
+          <a:lstStyle/>
+          <a:p>
+            <a:endParaRPr lang="zh-CN" altLang="en-US" dirty="0"/>
+          </a:p>
+        </p:txBody>
+      </p:sp>
+    </p:spTree>
+    <p:extLst>
+      <p:ext uri="{BB962C8B-B14F-4D97-AF65-F5344CB8AC3E}">
+        <p14:creationId xmlns:p14="http://schemas.microsoft.com/office/powerpoint/2010/main" val="803513546"/>
       </p:ext>
     </p:extLst>
   </p:cSld>
@@ -3465,10 +3604,10 @@
       </p:grpSpPr>
       <p:sp>
         <p:nvSpPr>
-          <p:cNvPr id="2" name="Title 1">
-            <a:extLst>
-              <a:ext uri="{FF2B5EF4-FFF2-40B4-BE49-F238E27FC236}">
-                <a16:creationId xmlns:a16="http://schemas.microsoft.com/office/drawing/2014/main" id="{6C12AB49-D187-2949-93FB-7A3FA9B26497}"/>
+          <p:cNvPr id="2" name="标题 1">
+            <a:extLst>
+              <a:ext uri="{FF2B5EF4-FFF2-40B4-BE49-F238E27FC236}">
+                <a16:creationId xmlns:a16="http://schemas.microsoft.com/office/drawing/2014/main" id="{91C4F771-35B7-6F42-ADAC-ADBA890E866D}"/>
               </a:ext>
             </a:extLst>
           </p:cNvPr>
@@ -3481,22 +3620,31 @@
         </p:nvSpPr>
         <p:spPr/>
         <p:txBody>
-          <a:bodyPr/>
-          <a:lstStyle/>
-          <a:p>
-            <a:r>
-              <a:rPr lang="en-US" dirty="0"/>
-              <a:t>Target Audience</a:t>
-            </a:r>
-          </a:p>
-        </p:txBody>
-      </p:sp>
-      <p:sp>
-        <p:nvSpPr>
-          <p:cNvPr id="3" name="Content Placeholder 2">
-            <a:extLst>
-              <a:ext uri="{FF2B5EF4-FFF2-40B4-BE49-F238E27FC236}">
-                <a16:creationId xmlns:a16="http://schemas.microsoft.com/office/drawing/2014/main" id="{085AED94-7B51-004E-B3E3-593CBDECF67B}"/>
+          <a:bodyPr>
+            <a:normAutofit fontScale="90000"/>
+          </a:bodyPr>
+          <a:lstStyle/>
+          <a:p>
+            <a:br>
+              <a:rPr kumimoji="1" lang="en-US" altLang="zh-CN" dirty="0"/>
+            </a:br>
+            <a:r>
+              <a:rPr kumimoji="1" lang="en-US" altLang="zh-CN" dirty="0"/>
+              <a:t>How many people have ever played a game called Temple Run?</a:t>
+            </a:r>
+            <a:br>
+              <a:rPr kumimoji="1" lang="zh-CN" altLang="en-US" dirty="0"/>
+            </a:br>
+            <a:endParaRPr kumimoji="1" lang="zh-CN" altLang="en-US" dirty="0"/>
+          </a:p>
+        </p:txBody>
+      </p:sp>
+      <p:sp>
+        <p:nvSpPr>
+          <p:cNvPr id="3" name="内容占位符 2">
+            <a:extLst>
+              <a:ext uri="{FF2B5EF4-FFF2-40B4-BE49-F238E27FC236}">
+                <a16:creationId xmlns:a16="http://schemas.microsoft.com/office/drawing/2014/main" id="{0B85E6B7-413A-9245-92D7-B36E5AE78144}"/>
               </a:ext>
             </a:extLst>
           </p:cNvPr>
@@ -3512,29 +3660,47 @@
           <a:bodyPr/>
           <a:lstStyle/>
           <a:p>
-            <a:r>
-              <a:rPr lang="en-US" dirty="0"/>
-              <a:t>Kids to teens</a:t>
-            </a:r>
-          </a:p>
-          <a:p>
-            <a:r>
-              <a:rPr lang="en-US" dirty="0"/>
-              <a:t>Simple controls; tap on the screen</a:t>
-            </a:r>
-          </a:p>
-          <a:p>
             <a:pPr marL="0" indent="0">
               <a:buNone/>
             </a:pPr>
-            <a:endParaRPr lang="en-US" dirty="0"/>
-          </a:p>
-        </p:txBody>
-      </p:sp>
+            <a:endParaRPr kumimoji="1" lang="zh-CN" altLang="en-US" sz="3600" dirty="0"/>
+          </a:p>
+        </p:txBody>
+      </p:sp>
+      <p:pic>
+        <p:nvPicPr>
+          <p:cNvPr id="21" name="图片 20">
+            <a:extLst>
+              <a:ext uri="{FF2B5EF4-FFF2-40B4-BE49-F238E27FC236}">
+                <a16:creationId xmlns:a16="http://schemas.microsoft.com/office/drawing/2014/main" id="{810A8360-D344-D444-AC94-3850710398A3}"/>
+              </a:ext>
+            </a:extLst>
+          </p:cNvPr>
+          <p:cNvPicPr>
+            <a:picLocks noChangeAspect="1"/>
+          </p:cNvPicPr>
+          <p:nvPr/>
+        </p:nvPicPr>
+        <p:blipFill>
+          <a:blip r:embed="rId2"/>
+          <a:stretch>
+            <a:fillRect/>
+          </a:stretch>
+        </p:blipFill>
+        <p:spPr>
+          <a:xfrm>
+            <a:off x="2246811" y="1825625"/>
+            <a:ext cx="7889966" cy="4351338"/>
+          </a:xfrm>
+          <a:prstGeom prst="rect">
+            <a:avLst/>
+          </a:prstGeom>
+        </p:spPr>
+      </p:pic>
     </p:spTree>
     <p:extLst>
       <p:ext uri="{BB962C8B-B14F-4D97-AF65-F5344CB8AC3E}">
-        <p14:creationId xmlns:p14="http://schemas.microsoft.com/office/powerpoint/2010/main" val="510192112"/>
+        <p14:creationId xmlns:p14="http://schemas.microsoft.com/office/powerpoint/2010/main" val="2569803427"/>
       </p:ext>
     </p:extLst>
   </p:cSld>
@@ -3612,17 +3778,52 @@
           <a:p>
             <a:r>
               <a:rPr lang="en-US" dirty="0"/>
-              <a:t>We were hired by a new games developer who wanted to test how quickly a game could be made on the iPhone that was simple to learn and entertaining</a:t>
-            </a:r>
-          </a:p>
-          <a:p>
-            <a:r>
-              <a:rPr lang="en-US" dirty="0"/>
-              <a:t>Solution: make a game like flappy-birds</a:t>
-            </a:r>
-          </a:p>
-        </p:txBody>
-      </p:sp>
+              <a:t>Our group were hired by a new games developer who wanted to test how quickly a game could be made on the iPhone that was simple to learn, entertaining</a:t>
+            </a:r>
+            <a:r>
+              <a:rPr lang="en-US" altLang="zh-CN" dirty="0"/>
+              <a:t> and popular</a:t>
+            </a:r>
+            <a:endParaRPr lang="en-US" dirty="0"/>
+          </a:p>
+          <a:p>
+            <a:endParaRPr lang="en-US" dirty="0"/>
+          </a:p>
+          <a:p>
+            <a:endParaRPr lang="en-US" dirty="0"/>
+          </a:p>
+        </p:txBody>
+      </p:sp>
+      <p:pic>
+        <p:nvPicPr>
+          <p:cNvPr id="7" name="图片 6">
+            <a:extLst>
+              <a:ext uri="{FF2B5EF4-FFF2-40B4-BE49-F238E27FC236}">
+                <a16:creationId xmlns:a16="http://schemas.microsoft.com/office/drawing/2014/main" id="{3B0C5ACE-F5F4-2740-AFDE-910BB11F36D0}"/>
+              </a:ext>
+            </a:extLst>
+          </p:cNvPr>
+          <p:cNvPicPr>
+            <a:picLocks noChangeAspect="1"/>
+          </p:cNvPicPr>
+          <p:nvPr/>
+        </p:nvPicPr>
+        <p:blipFill>
+          <a:blip r:embed="rId2"/>
+          <a:stretch>
+            <a:fillRect/>
+          </a:stretch>
+        </p:blipFill>
+        <p:spPr>
+          <a:xfrm>
+            <a:off x="2667000" y="3030583"/>
+            <a:ext cx="6858000" cy="3827417"/>
+          </a:xfrm>
+          <a:prstGeom prst="rect">
+            <a:avLst/>
+          </a:prstGeom>
+        </p:spPr>
+      </p:pic>
     </p:spTree>
     <p:extLst>
       <p:ext uri="{BB962C8B-B14F-4D97-AF65-F5344CB8AC3E}">
@@ -3658,7 +3859,7 @@
           <p:cNvPr id="2" name="Title 1">
             <a:extLst>
               <a:ext uri="{FF2B5EF4-FFF2-40B4-BE49-F238E27FC236}">
-                <a16:creationId xmlns:a16="http://schemas.microsoft.com/office/drawing/2014/main" id="{6AA051C1-6AD0-984D-BBA9-4E961C8CDA78}"/>
+                <a16:creationId xmlns:a16="http://schemas.microsoft.com/office/drawing/2014/main" id="{6C12AB49-D187-2949-93FB-7A3FA9B26497}"/>
               </a:ext>
             </a:extLst>
           </p:cNvPr>
@@ -3676,7 +3877,7 @@
           <a:p>
             <a:r>
               <a:rPr lang="en-US" dirty="0"/>
-              <a:t>Why?</a:t>
+              <a:t>Target Audience</a:t>
             </a:r>
           </a:p>
         </p:txBody>
@@ -3686,7 +3887,7 @@
           <p:cNvPr id="3" name="Content Placeholder 2">
             <a:extLst>
               <a:ext uri="{FF2B5EF4-FFF2-40B4-BE49-F238E27FC236}">
-                <a16:creationId xmlns:a16="http://schemas.microsoft.com/office/drawing/2014/main" id="{1C7B8AA0-6163-D44A-9718-8B2D4FDF87A0}"/>
+                <a16:creationId xmlns:a16="http://schemas.microsoft.com/office/drawing/2014/main" id="{085AED94-7B51-004E-B3E3-593CBDECF67B}"/>
               </a:ext>
             </a:extLst>
           </p:cNvPr>
@@ -3699,24 +3900,14 @@
         </p:nvSpPr>
         <p:spPr/>
         <p:txBody>
-          <a:bodyPr/>
+          <a:bodyPr>
+            <a:normAutofit fontScale="92500" lnSpcReduction="20000"/>
+          </a:bodyPr>
           <a:lstStyle/>
           <a:p>
             <a:r>
               <a:rPr lang="en-US" dirty="0"/>
-              <a:t>Flappy birds is a simple game</a:t>
-            </a:r>
-          </a:p>
-          <a:p>
-            <a:r>
-              <a:rPr lang="en-US" dirty="0"/>
-              <a:t>It only has one control; which is to tap the screen</a:t>
-            </a:r>
-          </a:p>
-          <a:p>
-            <a:r>
-              <a:rPr lang="en-US" dirty="0"/>
-              <a:t>Flappy bird is also a well known game so many people will pick up the controls in no time</a:t>
+              <a:t>Target groups: Kids to teens</a:t>
             </a:r>
           </a:p>
           <a:p>
@@ -3725,12 +3916,87 @@
             </a:pPr>
             <a:endParaRPr lang="en-US" dirty="0"/>
           </a:p>
-        </p:txBody>
-      </p:sp>
+          <a:p>
+            <a:r>
+              <a:rPr lang="en-US" altLang="zh-CN" dirty="0"/>
+              <a:t>Solution: make a game like flappy-birds</a:t>
+            </a:r>
+          </a:p>
+          <a:p>
+            <a:endParaRPr lang="en-US" altLang="zh-CN" dirty="0"/>
+          </a:p>
+          <a:p>
+            <a:r>
+              <a:rPr lang="en-US" altLang="zh-CN" dirty="0"/>
+              <a:t>Reasons: </a:t>
+            </a:r>
+          </a:p>
+          <a:p>
+            <a:r>
+              <a:rPr lang="en-US" altLang="zh-CN" dirty="0"/>
+              <a:t>Flappy birds is a simple game</a:t>
+            </a:r>
+          </a:p>
+          <a:p>
+            <a:r>
+              <a:rPr lang="en-US" altLang="zh-CN" dirty="0"/>
+              <a:t> It only has one control; </a:t>
+            </a:r>
+          </a:p>
+          <a:p>
+            <a:r>
+              <a:rPr lang="en-US" altLang="zh-CN" dirty="0"/>
+              <a:t>which is to tap the screen</a:t>
+            </a:r>
+          </a:p>
+          <a:p>
+            <a:r>
+              <a:rPr lang="en-US" altLang="zh-CN" dirty="0"/>
+              <a:t> a well known game </a:t>
+            </a:r>
+          </a:p>
+          <a:p>
+            <a:r>
+              <a:rPr lang="en-US" altLang="zh-CN" dirty="0"/>
+              <a:t>people will control the game in no time</a:t>
+            </a:r>
+          </a:p>
+        </p:txBody>
+      </p:sp>
+      <p:pic>
+        <p:nvPicPr>
+          <p:cNvPr id="5" name="图片 4">
+            <a:extLst>
+              <a:ext uri="{FF2B5EF4-FFF2-40B4-BE49-F238E27FC236}">
+                <a16:creationId xmlns:a16="http://schemas.microsoft.com/office/drawing/2014/main" id="{BBEC6406-3E04-6E45-827F-FAA961572F7C}"/>
+              </a:ext>
+            </a:extLst>
+          </p:cNvPr>
+          <p:cNvPicPr>
+            <a:picLocks noChangeAspect="1"/>
+          </p:cNvPicPr>
+          <p:nvPr/>
+        </p:nvPicPr>
+        <p:blipFill>
+          <a:blip r:embed="rId2"/>
+          <a:stretch>
+            <a:fillRect/>
+          </a:stretch>
+        </p:blipFill>
+        <p:spPr>
+          <a:xfrm>
+            <a:off x="7475620" y="0"/>
+            <a:ext cx="4716379" cy="6858000"/>
+          </a:xfrm>
+          <a:prstGeom prst="rect">
+            <a:avLst/>
+          </a:prstGeom>
+        </p:spPr>
+      </p:pic>
     </p:spTree>
     <p:extLst>
       <p:ext uri="{BB962C8B-B14F-4D97-AF65-F5344CB8AC3E}">
-        <p14:creationId xmlns:p14="http://schemas.microsoft.com/office/powerpoint/2010/main" val="416525117"/>
+        <p14:creationId xmlns:p14="http://schemas.microsoft.com/office/powerpoint/2010/main" val="510192112"/>
       </p:ext>
     </p:extLst>
   </p:cSld>
@@ -3819,6 +4085,36 @@
           </a:p>
         </p:txBody>
       </p:sp>
+      <p:pic>
+        <p:nvPicPr>
+          <p:cNvPr id="5" name="图片 4">
+            <a:extLst>
+              <a:ext uri="{FF2B5EF4-FFF2-40B4-BE49-F238E27FC236}">
+                <a16:creationId xmlns:a16="http://schemas.microsoft.com/office/drawing/2014/main" id="{6BABA6F2-8B07-2A42-9749-406D03816925}"/>
+              </a:ext>
+            </a:extLst>
+          </p:cNvPr>
+          <p:cNvPicPr>
+            <a:picLocks noChangeAspect="1"/>
+          </p:cNvPicPr>
+          <p:nvPr/>
+        </p:nvPicPr>
+        <p:blipFill>
+          <a:blip r:embed="rId2"/>
+          <a:stretch>
+            <a:fillRect/>
+          </a:stretch>
+        </p:blipFill>
+        <p:spPr>
+          <a:xfrm>
+            <a:off x="3641558" y="3155653"/>
+            <a:ext cx="6227544" cy="3405567"/>
+          </a:xfrm>
+          <a:prstGeom prst="rect">
+            <a:avLst/>
+          </a:prstGeom>
+        </p:spPr>
+      </p:pic>
     </p:spTree>
     <p:extLst>
       <p:ext uri="{BB962C8B-B14F-4D97-AF65-F5344CB8AC3E}">
@@ -3917,6 +4213,36 @@
           </a:p>
         </p:txBody>
       </p:sp>
+      <p:pic>
+        <p:nvPicPr>
+          <p:cNvPr id="5" name="图片 4">
+            <a:extLst>
+              <a:ext uri="{FF2B5EF4-FFF2-40B4-BE49-F238E27FC236}">
+                <a16:creationId xmlns:a16="http://schemas.microsoft.com/office/drawing/2014/main" id="{B47409DC-02A9-464D-8EB2-D607BA359376}"/>
+              </a:ext>
+            </a:extLst>
+          </p:cNvPr>
+          <p:cNvPicPr>
+            <a:picLocks noChangeAspect="1"/>
+          </p:cNvPicPr>
+          <p:nvPr/>
+        </p:nvPicPr>
+        <p:blipFill>
+          <a:blip r:embed="rId2"/>
+          <a:stretch>
+            <a:fillRect/>
+          </a:stretch>
+        </p:blipFill>
+        <p:spPr>
+          <a:xfrm>
+            <a:off x="7334069" y="2752635"/>
+            <a:ext cx="2540000" cy="2032000"/>
+          </a:xfrm>
+          <a:prstGeom prst="rect">
+            <a:avLst/>
+          </a:prstGeom>
+        </p:spPr>
+      </p:pic>
     </p:spTree>
     <p:extLst>
       <p:ext uri="{BB962C8B-B14F-4D97-AF65-F5344CB8AC3E}">
@@ -4028,6 +4354,36 @@
           </a:p>
         </p:txBody>
       </p:sp>
+      <p:pic>
+        <p:nvPicPr>
+          <p:cNvPr id="9" name="图片 8">
+            <a:extLst>
+              <a:ext uri="{FF2B5EF4-FFF2-40B4-BE49-F238E27FC236}">
+                <a16:creationId xmlns:a16="http://schemas.microsoft.com/office/drawing/2014/main" id="{D27AAF1F-8D9F-9B45-B9C8-5900A7C2433B}"/>
+              </a:ext>
+            </a:extLst>
+          </p:cNvPr>
+          <p:cNvPicPr>
+            <a:picLocks noChangeAspect="1"/>
+          </p:cNvPicPr>
+          <p:nvPr/>
+        </p:nvPicPr>
+        <p:blipFill>
+          <a:blip r:embed="rId2"/>
+          <a:stretch>
+            <a:fillRect/>
+          </a:stretch>
+        </p:blipFill>
+        <p:spPr>
+          <a:xfrm>
+            <a:off x="7158446" y="2847703"/>
+            <a:ext cx="4955358" cy="3329259"/>
+          </a:xfrm>
+          <a:prstGeom prst="rect">
+            <a:avLst/>
+          </a:prstGeom>
+        </p:spPr>
+      </p:pic>
     </p:spTree>
     <p:extLst>
       <p:ext uri="{BB962C8B-B14F-4D97-AF65-F5344CB8AC3E}">
@@ -4111,15 +4467,7 @@
           <a:p>
             <a:r>
               <a:rPr lang="en-US" dirty="0"/>
-              <a:t>We used </a:t>
-            </a:r>
-            <a:r>
-              <a:rPr lang="en-US" dirty="0" err="1"/>
-              <a:t>github</a:t>
-            </a:r>
-            <a:r>
-              <a:rPr lang="en-US" dirty="0"/>
-              <a:t> to share the work with each other</a:t>
+              <a:t>We used GitHub to share the work with each other</a:t>
             </a:r>
           </a:p>
           <a:p>
@@ -4161,15 +4509,7 @@
           <a:p>
             <a:r>
               <a:rPr lang="en-US" dirty="0"/>
-              <a:t>Got </a:t>
-            </a:r>
-            <a:r>
-              <a:rPr lang="en-US" dirty="0" err="1"/>
-              <a:t>highscores</a:t>
-            </a:r>
-            <a:r>
-              <a:rPr lang="en-US" dirty="0"/>
-              <a:t> working</a:t>
+              <a:t>Got high-scores working</a:t>
             </a:r>
           </a:p>
           <a:p>
@@ -4183,6 +4523,36 @@
           </a:p>
         </p:txBody>
       </p:sp>
+      <p:pic>
+        <p:nvPicPr>
+          <p:cNvPr id="5" name="图片 4">
+            <a:extLst>
+              <a:ext uri="{FF2B5EF4-FFF2-40B4-BE49-F238E27FC236}">
+                <a16:creationId xmlns:a16="http://schemas.microsoft.com/office/drawing/2014/main" id="{16FF4A33-0B06-944D-A1EE-633D81E0E1AE}"/>
+              </a:ext>
+            </a:extLst>
+          </p:cNvPr>
+          <p:cNvPicPr>
+            <a:picLocks noChangeAspect="1"/>
+          </p:cNvPicPr>
+          <p:nvPr/>
+        </p:nvPicPr>
+        <p:blipFill>
+          <a:blip r:embed="rId2"/>
+          <a:stretch>
+            <a:fillRect/>
+          </a:stretch>
+        </p:blipFill>
+        <p:spPr>
+          <a:xfrm>
+            <a:off x="7543800" y="3750673"/>
+            <a:ext cx="3810000" cy="2857500"/>
+          </a:xfrm>
+          <a:prstGeom prst="rect">
+            <a:avLst/>
+          </a:prstGeom>
+        </p:spPr>
+      </p:pic>
     </p:spTree>
     <p:extLst>
       <p:ext uri="{BB962C8B-B14F-4D97-AF65-F5344CB8AC3E}">
@@ -4215,10 +4585,10 @@
       </p:grpSpPr>
       <p:sp>
         <p:nvSpPr>
-          <p:cNvPr id="2" name="Title 1">
-            <a:extLst>
-              <a:ext uri="{FF2B5EF4-FFF2-40B4-BE49-F238E27FC236}">
-                <a16:creationId xmlns:a16="http://schemas.microsoft.com/office/drawing/2014/main" id="{05691E0B-319E-BD4B-89AA-EB5C07AFCB3A}"/>
+          <p:cNvPr id="2" name="标题 1">
+            <a:extLst>
+              <a:ext uri="{FF2B5EF4-FFF2-40B4-BE49-F238E27FC236}">
+                <a16:creationId xmlns:a16="http://schemas.microsoft.com/office/drawing/2014/main" id="{FC90F172-E0FF-2F44-8CFA-BB4C0CA6108F}"/>
               </a:ext>
             </a:extLst>
           </p:cNvPr>
@@ -4231,45 +4601,52 @@
         </p:nvSpPr>
         <p:spPr/>
         <p:txBody>
-          <a:bodyPr/>
-          <a:lstStyle/>
-          <a:p>
-            <a:r>
-              <a:rPr lang="en-US" dirty="0"/>
-              <a:t>Questions</a:t>
-            </a:r>
-          </a:p>
-        </p:txBody>
-      </p:sp>
-      <p:sp>
-        <p:nvSpPr>
-          <p:cNvPr id="3" name="Content Placeholder 2">
-            <a:extLst>
-              <a:ext uri="{FF2B5EF4-FFF2-40B4-BE49-F238E27FC236}">
-                <a16:creationId xmlns:a16="http://schemas.microsoft.com/office/drawing/2014/main" id="{8FC280E3-6E1F-6B4B-8DAB-4D2A4C312265}"/>
-              </a:ext>
-            </a:extLst>
-          </p:cNvPr>
-          <p:cNvSpPr>
-            <a:spLocks noGrp="1"/>
-          </p:cNvSpPr>
+          <a:bodyPr>
+            <a:normAutofit/>
+          </a:bodyPr>
+          <a:lstStyle/>
+          <a:p>
+            <a:r>
+              <a:rPr kumimoji="1" lang="en-US" altLang="zh-CN" sz="6000" dirty="0"/>
+              <a:t>                SHOWN TIME</a:t>
+            </a:r>
+            <a:endParaRPr kumimoji="1" lang="zh-CN" altLang="en-US" sz="6000" dirty="0"/>
+          </a:p>
+        </p:txBody>
+      </p:sp>
+      <p:pic>
+        <p:nvPicPr>
+          <p:cNvPr id="5" name="内容占位符 4">
+            <a:extLst>
+              <a:ext uri="{FF2B5EF4-FFF2-40B4-BE49-F238E27FC236}">
+                <a16:creationId xmlns:a16="http://schemas.microsoft.com/office/drawing/2014/main" id="{5BF79F5F-4B2B-394C-A913-03A9EF2A7B4F}"/>
+              </a:ext>
+            </a:extLst>
+          </p:cNvPr>
+          <p:cNvPicPr>
+            <a:picLocks noGrp="1" noChangeAspect="1"/>
+          </p:cNvPicPr>
           <p:nvPr>
             <p:ph idx="1"/>
           </p:nvPr>
-        </p:nvSpPr>
-        <p:spPr/>
-        <p:txBody>
-          <a:bodyPr/>
-          <a:lstStyle/>
-          <a:p>
-            <a:endParaRPr lang="en-US"/>
-          </a:p>
-        </p:txBody>
-      </p:sp>
+        </p:nvPicPr>
+        <p:blipFill>
+          <a:blip r:embed="rId2"/>
+          <a:stretch>
+            <a:fillRect/>
+          </a:stretch>
+        </p:blipFill>
+        <p:spPr>
+          <a:xfrm>
+            <a:off x="2830316" y="1825625"/>
+            <a:ext cx="6531367" cy="4351338"/>
+          </a:xfrm>
+        </p:spPr>
+      </p:pic>
     </p:spTree>
     <p:extLst>
       <p:ext uri="{BB962C8B-B14F-4D97-AF65-F5344CB8AC3E}">
-        <p14:creationId xmlns:p14="http://schemas.microsoft.com/office/powerpoint/2010/main" val="803513546"/>
+        <p14:creationId xmlns:p14="http://schemas.microsoft.com/office/powerpoint/2010/main" val="3569256056"/>
       </p:ext>
     </p:extLst>
   </p:cSld>

--- a/PresentationSlides.pptx
+++ b/PresentationSlides.pptx
@@ -222,7 +222,7 @@
           <a:p>
             <a:fld id="{B783068A-753F-47ED-95DE-D06E5578E574}" type="datetimeFigureOut">
               <a:rPr lang="zh-CN" altLang="en-US" smtClean="0"/>
-              <a:t>2018/6/3</a:t>
+              <a:t>2018/6/4</a:t>
             </a:fld>
             <a:endParaRPr lang="zh-CN" altLang="en-US"/>
           </a:p>
@@ -2488,7 +2488,7 @@
           <a:p>
             <a:fld id="{263D3F9F-ACD9-488C-83AD-AED08AE1FCA5}" type="datetimeFigureOut">
               <a:rPr lang="zh-CN" altLang="en-US" smtClean="0"/>
-              <a:t>2018/6/3</a:t>
+              <a:t>2018/6/4</a:t>
             </a:fld>
             <a:endParaRPr lang="zh-CN" altLang="en-US"/>
           </a:p>
@@ -2696,7 +2696,7 @@
           <a:p>
             <a:fld id="{263D3F9F-ACD9-488C-83AD-AED08AE1FCA5}" type="datetimeFigureOut">
               <a:rPr lang="zh-CN" altLang="en-US" smtClean="0"/>
-              <a:t>2018/6/3</a:t>
+              <a:t>2018/6/4</a:t>
             </a:fld>
             <a:endParaRPr lang="zh-CN" altLang="en-US"/>
           </a:p>
@@ -2916,7 +2916,7 @@
           <a:p>
             <a:fld id="{3E26BC15-B161-4C75-9B3A-128C91250747}" type="datetimeFigureOut">
               <a:rPr lang="zh-CN" altLang="en-US" smtClean="0"/>
-              <a:t>2018/6/3</a:t>
+              <a:t>2018/6/4</a:t>
             </a:fld>
             <a:endParaRPr lang="zh-CN" altLang="en-US"/>
           </a:p>
@@ -3332,7 +3332,7 @@
           <a:p>
             <a:fld id="{263D3F9F-ACD9-488C-83AD-AED08AE1FCA5}" type="datetimeFigureOut">
               <a:rPr lang="zh-CN" altLang="en-US" smtClean="0"/>
-              <a:t>2018/6/3</a:t>
+              <a:t>2018/6/4</a:t>
             </a:fld>
             <a:endParaRPr lang="zh-CN" altLang="en-US"/>
           </a:p>
@@ -3735,7 +3735,7 @@
           <a:p>
             <a:fld id="{263D3F9F-ACD9-488C-83AD-AED08AE1FCA5}" type="datetimeFigureOut">
               <a:rPr lang="zh-CN" altLang="en-US" smtClean="0"/>
-              <a:t>2018/6/3</a:t>
+              <a:t>2018/6/4</a:t>
             </a:fld>
             <a:endParaRPr lang="zh-CN" altLang="en-US"/>
           </a:p>
@@ -3884,7 +3884,7 @@
           <a:p>
             <a:fld id="{263D3F9F-ACD9-488C-83AD-AED08AE1FCA5}" type="datetimeFigureOut">
               <a:rPr lang="zh-CN" altLang="en-US" smtClean="0"/>
-              <a:t>2018/6/3</a:t>
+              <a:t>2018/6/4</a:t>
             </a:fld>
             <a:endParaRPr lang="zh-CN" altLang="en-US"/>
           </a:p>
@@ -4003,7 +4003,7 @@
           <a:p>
             <a:fld id="{263D3F9F-ACD9-488C-83AD-AED08AE1FCA5}" type="datetimeFigureOut">
               <a:rPr lang="zh-CN" altLang="en-US" smtClean="0"/>
-              <a:t>2018/6/3</a:t>
+              <a:t>2018/6/4</a:t>
             </a:fld>
             <a:endParaRPr lang="zh-CN" altLang="en-US"/>
           </a:p>
@@ -4311,7 +4311,7 @@
           <a:p>
             <a:fld id="{263D3F9F-ACD9-488C-83AD-AED08AE1FCA5}" type="datetimeFigureOut">
               <a:rPr lang="zh-CN" altLang="en-US" smtClean="0"/>
-              <a:t>2018/6/3</a:t>
+              <a:t>2018/6/4</a:t>
             </a:fld>
             <a:endParaRPr lang="zh-CN" altLang="en-US"/>
           </a:p>
@@ -4596,7 +4596,7 @@
           <a:p>
             <a:fld id="{263D3F9F-ACD9-488C-83AD-AED08AE1FCA5}" type="datetimeFigureOut">
               <a:rPr lang="zh-CN" altLang="en-US" smtClean="0"/>
-              <a:t>2018/6/3</a:t>
+              <a:t>2018/6/4</a:t>
             </a:fld>
             <a:endParaRPr lang="zh-CN" altLang="en-US"/>
           </a:p>
@@ -6459,7 +6459,7 @@
         <p:spPr>
           <a:xfrm>
             <a:off x="1983783" y="1425844"/>
-            <a:ext cx="6199321" cy="1846659"/>
+            <a:ext cx="7935132" cy="2954655"/>
           </a:xfrm>
           <a:prstGeom prst="rect">
             <a:avLst/>
@@ -6586,44 +6586,63 @@
                 <a:latin typeface="微软雅黑" panose="020B0503020204020204" pitchFamily="34" charset="-122"/>
                 <a:ea typeface="微软雅黑" panose="020B0503020204020204" pitchFamily="34" charset="-122"/>
               </a:rPr>
-              <a:t>, but …</a:t>
+              <a:t>, but we found that it </a:t>
             </a:r>
+            <a:r>
+              <a:rPr lang="en-US" altLang="zh-CN" sz="2400">
+                <a:solidFill>
+                  <a:schemeClr val="tx1">
+                    <a:lumMod val="85000"/>
+                    <a:lumOff val="15000"/>
+                  </a:schemeClr>
+                </a:solidFill>
+                <a:latin typeface="微软雅黑" panose="020B0503020204020204" pitchFamily="34" charset="-122"/>
+                <a:ea typeface="微软雅黑" panose="020B0503020204020204" pitchFamily="34" charset="-122"/>
+              </a:rPr>
+              <a:t>was not </a:t>
+            </a:r>
+            <a:r>
+              <a:rPr lang="en-US" altLang="zh-CN" sz="2400" dirty="0">
+                <a:solidFill>
+                  <a:schemeClr val="tx1">
+                    <a:lumMod val="85000"/>
+                    <a:lumOff val="15000"/>
+                  </a:schemeClr>
+                </a:solidFill>
+                <a:latin typeface="微软雅黑" panose="020B0503020204020204" pitchFamily="34" charset="-122"/>
+                <a:ea typeface="微软雅黑" panose="020B0503020204020204" pitchFamily="34" charset="-122"/>
+              </a:rPr>
+              <a:t>necessary as we could continue to build upon the original prototype of </a:t>
+            </a:r>
+            <a:r>
+              <a:rPr lang="en-US" altLang="zh-CN" sz="2400">
+                <a:solidFill>
+                  <a:schemeClr val="tx1">
+                    <a:lumMod val="85000"/>
+                    <a:lumOff val="15000"/>
+                  </a:schemeClr>
+                </a:solidFill>
+                <a:latin typeface="微软雅黑" panose="020B0503020204020204" pitchFamily="34" charset="-122"/>
+                <a:ea typeface="微软雅黑" panose="020B0503020204020204" pitchFamily="34" charset="-122"/>
+              </a:rPr>
+              <a:t>the scenes using a single view app</a:t>
+            </a:r>
+            <a:endParaRPr lang="en-US" altLang="zh-CN" sz="2400" dirty="0">
+              <a:solidFill>
+                <a:schemeClr val="tx1">
+                  <a:lumMod val="85000"/>
+                  <a:lumOff val="15000"/>
+                </a:schemeClr>
+              </a:solidFill>
+              <a:latin typeface="微软雅黑" panose="020B0503020204020204" pitchFamily="34" charset="-122"/>
+              <a:ea typeface="微软雅黑" panose="020B0503020204020204" pitchFamily="34" charset="-122"/>
+            </a:endParaRPr>
           </a:p>
           <a:p>
             <a:endParaRPr kumimoji="1" lang="zh-CN" altLang="en-US" dirty="0"/>
           </a:p>
         </p:txBody>
       </p:sp>
-      <p:pic>
-        <p:nvPicPr>
-          <p:cNvPr id="5" name="图片 4">
-            <a:extLst>
-              <a:ext uri="{FF2B5EF4-FFF2-40B4-BE49-F238E27FC236}">
-                <a16:creationId xmlns:a16="http://schemas.microsoft.com/office/drawing/2014/main" id="{A0D011B5-B612-ED40-AEB3-FC0A240AB755}"/>
-              </a:ext>
-            </a:extLst>
-          </p:cNvPr>
-          <p:cNvPicPr>
-            <a:picLocks noChangeAspect="1"/>
-          </p:cNvPicPr>
-          <p:nvPr/>
-        </p:nvPicPr>
-        <p:blipFill>
-          <a:blip r:embed="rId4"/>
-          <a:stretch>
-            <a:fillRect/>
-          </a:stretch>
-        </p:blipFill>
-        <p:spPr>
-          <a:xfrm>
-            <a:off x="6696001" y="2983832"/>
-            <a:ext cx="3964782" cy="2663740"/>
-          </a:xfrm>
-          <a:prstGeom prst="rect">
-            <a:avLst/>
-          </a:prstGeom>
-        </p:spPr>
-      </p:pic>
     </p:spTree>
     <p:custDataLst>
       <p:tags r:id="rId1"/>
@@ -8607,7 +8626,7 @@
                   <a:latin typeface="微软雅黑" panose="020B0503020204020204" pitchFamily="34" charset="-122"/>
                   <a:ea typeface="微软雅黑" panose="020B0503020204020204" pitchFamily="34" charset="-122"/>
                 </a:rPr>
-                <a:t>Process &amp; Framework </a:t>
+                <a:t>Framework &amp; Process</a:t>
               </a:r>
               <a:endParaRPr lang="zh-CN" altLang="en-US" sz="2400" b="1" dirty="0">
                 <a:latin typeface="微软雅黑" panose="020B0503020204020204" pitchFamily="34" charset="-122"/>
@@ -9908,7 +9927,7 @@
         <p:spPr>
           <a:xfrm>
             <a:off x="1195032" y="1829226"/>
-            <a:ext cx="9533928" cy="461665"/>
+            <a:ext cx="9533928" cy="1569660"/>
           </a:xfrm>
           <a:prstGeom prst="rect">
             <a:avLst/>
@@ -9931,6 +9950,31 @@
                 <a:ea typeface="微软雅黑" panose="020B0503020204020204" pitchFamily="34" charset="-122"/>
               </a:rPr>
               <a:t>How quickly a game could be made on the iPhone</a:t>
+            </a:r>
+          </a:p>
+          <a:p>
+            <a:pPr algn="just">
+              <a:spcAft>
+                <a:spcPts val="0"/>
+              </a:spcAft>
+            </a:pPr>
+            <a:endParaRPr lang="en-US" altLang="zh-CN" sz="2400" b="1" kern="100" dirty="0">
+              <a:latin typeface="微软雅黑" panose="020B0503020204020204" pitchFamily="34" charset="-122"/>
+              <a:ea typeface="微软雅黑" panose="020B0503020204020204" pitchFamily="34" charset="-122"/>
+            </a:endParaRPr>
+          </a:p>
+          <a:p>
+            <a:pPr algn="just">
+              <a:spcAft>
+                <a:spcPts val="0"/>
+              </a:spcAft>
+            </a:pPr>
+            <a:r>
+              <a:rPr lang="en-US" altLang="zh-CN" sz="2400" b="1" kern="100" dirty="0">
+                <a:latin typeface="微软雅黑" panose="020B0503020204020204" pitchFamily="34" charset="-122"/>
+                <a:ea typeface="微软雅黑" panose="020B0503020204020204" pitchFamily="34" charset="-122"/>
+              </a:rPr>
+              <a:t>To make a game that was easy to learn, with minimal instructions, entertaining and popular with kids and teens.</a:t>
             </a:r>
           </a:p>
         </p:txBody>
@@ -23002,7 +23046,7 @@
         <p:spPr>
           <a:xfrm>
             <a:off x="1735810" y="1961797"/>
-            <a:ext cx="8896027" cy="1846659"/>
+            <a:ext cx="8896027" cy="2585323"/>
           </a:xfrm>
           <a:prstGeom prst="rect">
             <a:avLst/>
@@ -23030,7 +23074,7 @@
                 <a:latin typeface="微软雅黑" panose="020B0503020204020204" pitchFamily="34" charset="-122"/>
                 <a:ea typeface="微软雅黑" panose="020B0503020204020204" pitchFamily="34" charset="-122"/>
               </a:rPr>
-              <a:t>Unlike flappy bird our game uses different sprites</a:t>
+              <a:t>Unlike flappy bird our game allows the player to change their character and the background</a:t>
             </a:r>
           </a:p>
           <a:p>
@@ -23061,7 +23105,7 @@
                 <a:latin typeface="微软雅黑" panose="020B0503020204020204" pitchFamily="34" charset="-122"/>
                 <a:ea typeface="微软雅黑" panose="020B0503020204020204" pitchFamily="34" charset="-122"/>
               </a:rPr>
-              <a:t>The player can customize their experience in the game as well as their avatar(sprite) </a:t>
+              <a:t>The player can customize their experience in the game by changing the vertical and horizontal distances between the pipes</a:t>
             </a:r>
           </a:p>
           <a:p>
@@ -23069,36 +23113,6 @@
           </a:p>
         </p:txBody>
       </p:sp>
-      <p:pic>
-        <p:nvPicPr>
-          <p:cNvPr id="11" name="图片 10">
-            <a:extLst>
-              <a:ext uri="{FF2B5EF4-FFF2-40B4-BE49-F238E27FC236}">
-                <a16:creationId xmlns:a16="http://schemas.microsoft.com/office/drawing/2014/main" id="{2A1CF100-891B-AA46-8B50-051A5053B07C}"/>
-              </a:ext>
-            </a:extLst>
-          </p:cNvPr>
-          <p:cNvPicPr>
-            <a:picLocks noChangeAspect="1"/>
-          </p:cNvPicPr>
-          <p:nvPr/>
-        </p:nvPicPr>
-        <p:blipFill>
-          <a:blip r:embed="rId6"/>
-          <a:stretch>
-            <a:fillRect/>
-          </a:stretch>
-        </p:blipFill>
-        <p:spPr>
-          <a:xfrm>
-            <a:off x="6042680" y="3440221"/>
-            <a:ext cx="3829248" cy="2508586"/>
-          </a:xfrm>
-          <a:prstGeom prst="rect">
-            <a:avLst/>
-          </a:prstGeom>
-        </p:spPr>
-      </p:pic>
     </p:spTree>
     <p:extLst>
       <p:ext uri="{BB962C8B-B14F-4D97-AF65-F5344CB8AC3E}">

--- a/PresentationSlides.pptx
+++ b/PresentationSlides.pptx
@@ -23260,7 +23260,7 @@
                 <a:latin typeface="微软雅黑" panose="020B0503020204020204" pitchFamily="34" charset="-122"/>
                 <a:ea typeface="微软雅黑" panose="020B0503020204020204" pitchFamily="34" charset="-122"/>
               </a:rPr>
-              <a:t>This uses a Free Model</a:t>
+              <a:t>This uses a Free Model:</a:t>
             </a:r>
           </a:p>
           <a:p>
@@ -23276,7 +23276,7 @@
             </a:endParaRPr>
           </a:p>
           <a:p>
-            <a:pPr marL="342900" indent="-342900">
+            <a:pPr marL="800100" lvl="1" indent="-342900">
               <a:buFont typeface="Arial" panose="020B0604020202020204" pitchFamily="34" charset="0"/>
               <a:buChar char="•"/>
             </a:pPr>
@@ -23307,7 +23307,7 @@
             </a:endParaRPr>
           </a:p>
           <a:p>
-            <a:pPr marL="342900" indent="-342900">
+            <a:pPr marL="800100" lvl="1" indent="-342900">
               <a:buFont typeface="Arial" panose="020B0604020202020204" pitchFamily="34" charset="0"/>
               <a:buChar char="•"/>
             </a:pPr>
